--- a/常用学术搜索引擎.pptx
+++ b/常用学术搜索引擎.pptx
@@ -213,7 +213,7 @@
             <a:fld id="{FBA6D8D7-3159-4816-AFC8-E8D967EA1EA0}" type="datetimeFigureOut">
               <a:rPr lang="zh-CN" altLang="en-US" smtClean="0"/>
               <a:pPr/>
-              <a:t>2016/4/12</a:t>
+              <a:t>2016/4/29</a:t>
             </a:fld>
             <a:endParaRPr lang="zh-CN" altLang="en-US"/>
           </a:p>
@@ -743,7 +743,7 @@
             <a:fld id="{DED1FB08-4BC2-4F3C-BFC6-6170A82BA15D}" type="datetimeFigureOut">
               <a:rPr lang="zh-CN" altLang="en-US" smtClean="0"/>
               <a:pPr/>
-              <a:t>2016/4/12</a:t>
+              <a:t>2016/4/29</a:t>
             </a:fld>
             <a:endParaRPr lang="zh-CN" altLang="en-US"/>
           </a:p>
@@ -910,7 +910,7 @@
             <a:fld id="{DED1FB08-4BC2-4F3C-BFC6-6170A82BA15D}" type="datetimeFigureOut">
               <a:rPr lang="zh-CN" altLang="en-US" smtClean="0"/>
               <a:pPr/>
-              <a:t>2016/4/12</a:t>
+              <a:t>2016/4/29</a:t>
             </a:fld>
             <a:endParaRPr lang="zh-CN" altLang="en-US"/>
           </a:p>
@@ -1087,7 +1087,7 @@
             <a:fld id="{DED1FB08-4BC2-4F3C-BFC6-6170A82BA15D}" type="datetimeFigureOut">
               <a:rPr lang="zh-CN" altLang="en-US" smtClean="0"/>
               <a:pPr/>
-              <a:t>2016/4/12</a:t>
+              <a:t>2016/4/29</a:t>
             </a:fld>
             <a:endParaRPr lang="zh-CN" altLang="en-US"/>
           </a:p>
@@ -1254,7 +1254,7 @@
             <a:fld id="{DED1FB08-4BC2-4F3C-BFC6-6170A82BA15D}" type="datetimeFigureOut">
               <a:rPr lang="zh-CN" altLang="en-US" smtClean="0"/>
               <a:pPr/>
-              <a:t>2016/4/12</a:t>
+              <a:t>2016/4/29</a:t>
             </a:fld>
             <a:endParaRPr lang="zh-CN" altLang="en-US"/>
           </a:p>
@@ -1497,7 +1497,7 @@
             <a:fld id="{DED1FB08-4BC2-4F3C-BFC6-6170A82BA15D}" type="datetimeFigureOut">
               <a:rPr lang="zh-CN" altLang="en-US" smtClean="0"/>
               <a:pPr/>
-              <a:t>2016/4/12</a:t>
+              <a:t>2016/4/29</a:t>
             </a:fld>
             <a:endParaRPr lang="zh-CN" altLang="en-US"/>
           </a:p>
@@ -1782,7 +1782,7 @@
             <a:fld id="{DED1FB08-4BC2-4F3C-BFC6-6170A82BA15D}" type="datetimeFigureOut">
               <a:rPr lang="zh-CN" altLang="en-US" smtClean="0"/>
               <a:pPr/>
-              <a:t>2016/4/12</a:t>
+              <a:t>2016/4/29</a:t>
             </a:fld>
             <a:endParaRPr lang="zh-CN" altLang="en-US"/>
           </a:p>
@@ -2201,7 +2201,7 @@
             <a:fld id="{DED1FB08-4BC2-4F3C-BFC6-6170A82BA15D}" type="datetimeFigureOut">
               <a:rPr lang="zh-CN" altLang="en-US" smtClean="0"/>
               <a:pPr/>
-              <a:t>2016/4/12</a:t>
+              <a:t>2016/4/29</a:t>
             </a:fld>
             <a:endParaRPr lang="zh-CN" altLang="en-US"/>
           </a:p>
@@ -2316,7 +2316,7 @@
             <a:fld id="{DED1FB08-4BC2-4F3C-BFC6-6170A82BA15D}" type="datetimeFigureOut">
               <a:rPr lang="zh-CN" altLang="en-US" smtClean="0"/>
               <a:pPr/>
-              <a:t>2016/4/12</a:t>
+              <a:t>2016/4/29</a:t>
             </a:fld>
             <a:endParaRPr lang="zh-CN" altLang="en-US"/>
           </a:p>
@@ -2408,7 +2408,7 @@
             <a:fld id="{DED1FB08-4BC2-4F3C-BFC6-6170A82BA15D}" type="datetimeFigureOut">
               <a:rPr lang="zh-CN" altLang="en-US" smtClean="0"/>
               <a:pPr/>
-              <a:t>2016/4/12</a:t>
+              <a:t>2016/4/29</a:t>
             </a:fld>
             <a:endParaRPr lang="zh-CN" altLang="en-US"/>
           </a:p>
@@ -2682,7 +2682,7 @@
             <a:fld id="{DED1FB08-4BC2-4F3C-BFC6-6170A82BA15D}" type="datetimeFigureOut">
               <a:rPr lang="zh-CN" altLang="en-US" smtClean="0"/>
               <a:pPr/>
-              <a:t>2016/4/12</a:t>
+              <a:t>2016/4/29</a:t>
             </a:fld>
             <a:endParaRPr lang="zh-CN" altLang="en-US"/>
           </a:p>
@@ -2932,7 +2932,7 @@
             <a:fld id="{DED1FB08-4BC2-4F3C-BFC6-6170A82BA15D}" type="datetimeFigureOut">
               <a:rPr lang="zh-CN" altLang="en-US" smtClean="0"/>
               <a:pPr/>
-              <a:t>2016/4/12</a:t>
+              <a:t>2016/4/29</a:t>
             </a:fld>
             <a:endParaRPr lang="zh-CN" altLang="en-US"/>
           </a:p>
@@ -3142,7 +3142,7 @@
             <a:fld id="{DED1FB08-4BC2-4F3C-BFC6-6170A82BA15D}" type="datetimeFigureOut">
               <a:rPr lang="zh-CN" altLang="en-US" smtClean="0"/>
               <a:pPr/>
-              <a:t>2016/4/12</a:t>
+              <a:t>2016/4/29</a:t>
             </a:fld>
             <a:endParaRPr lang="zh-CN" altLang="en-US"/>
           </a:p>
@@ -4587,8 +4587,8 @@
         </p:blipFill>
         <p:spPr>
           <a:xfrm>
-            <a:off x="39242" y="1268760"/>
-            <a:ext cx="9104758" cy="5040559"/>
+            <a:off x="39242" y="1196752"/>
+            <a:ext cx="9104758" cy="5112567"/>
           </a:xfrm>
         </p:spPr>
       </p:pic>
@@ -4783,11 +4783,7 @@
             </a:r>
             <a:r>
               <a:rPr lang="zh-CN" altLang="en-US" dirty="0" smtClean="0"/>
-              <a:t>（农业信息联机存取）全文数据</a:t>
-            </a:r>
-            <a:r>
-              <a:rPr lang="zh-CN" altLang="en-US" dirty="0" smtClean="0"/>
-              <a:t>库</a:t>
+              <a:t>（农业信息联机存取）全文数据库</a:t>
             </a:r>
             <a:endParaRPr lang="en-US" altLang="zh-CN" dirty="0" smtClean="0"/>
           </a:p>
@@ -5017,11 +5013,7 @@
           <a:p>
             <a:r>
               <a:rPr lang="zh-CN" altLang="en-US" dirty="0" smtClean="0"/>
-              <a:t>百</a:t>
-            </a:r>
-            <a:r>
-              <a:rPr lang="zh-CN" altLang="en-US" dirty="0" smtClean="0"/>
-              <a:t>度学术（</a:t>
+              <a:t>百度学术（</a:t>
             </a:r>
             <a:r>
               <a:rPr lang="en-US" altLang="zh-CN" dirty="0" err="1" smtClean="0"/>
